--- a/Презентация.pptx
+++ b/Презентация.pptx
@@ -261,7 +261,7 @@
           <a:p>
             <a:fld id="{B60569C6-7FE9-427B-ADC7-21642DF64814}" type="datetimeFigureOut">
               <a:rPr lang="ru-RU" smtClean="0"/>
-              <a:t>16.01.2023</a:t>
+              <a:t>19.01.2023</a:t>
             </a:fld>
             <a:endParaRPr lang="ru-RU"/>
           </a:p>
@@ -426,7 +426,7 @@
           <a:p>
             <a:fld id="{9BB318F8-E971-41B2-8EEE-4AE0434BCB65}" type="datetimeFigureOut">
               <a:rPr lang="ru-RU" smtClean="0"/>
-              <a:t>16.01.2023</a:t>
+              <a:t>19.01.2023</a:t>
             </a:fld>
             <a:endParaRPr lang="ru-RU"/>
           </a:p>
@@ -3901,8 +3901,8 @@
         </p:nvSpPr>
         <p:spPr>
           <a:xfrm>
-            <a:off x="729268" y="1276350"/>
-            <a:ext cx="2383031" cy="3429000"/>
+            <a:off x="533400" y="1123950"/>
+            <a:ext cx="2895600" cy="3381701"/>
           </a:xfrm>
         </p:spPr>
         <p:txBody>
@@ -3934,6 +3934,13 @@
             <a:r>
               <a:rPr lang="ru-RU" dirty="0"/>
               <a:t>Не требует навыков разработки</a:t>
+            </a:r>
+          </a:p>
+          <a:p>
+            <a:pPr algn="l"/>
+            <a:r>
+              <a:rPr lang="ru-RU" dirty="0"/>
+              <a:t>Единственный файл конфигурации</a:t>
             </a:r>
           </a:p>
           <a:p>
@@ -3964,7 +3971,7 @@
         </p:blipFill>
         <p:spPr>
           <a:xfrm>
-            <a:off x="3339451" y="1305251"/>
+            <a:off x="3733800" y="1123950"/>
             <a:ext cx="5068931" cy="3381701"/>
           </a:xfrm>
           <a:prstGeom prst="rect">

--- a/Презентация.pptx
+++ b/Презентация.pptx
@@ -5,10 +5,10 @@
     <p:sldMasterId id="2147483648" r:id="rId1"/>
   </p:sldMasterIdLst>
   <p:notesMasterIdLst>
-    <p:notesMasterId r:id="rId14"/>
+    <p:notesMasterId r:id="rId13"/>
   </p:notesMasterIdLst>
   <p:handoutMasterIdLst>
-    <p:handoutMasterId r:id="rId15"/>
+    <p:handoutMasterId r:id="rId14"/>
   </p:handoutMasterIdLst>
   <p:sldIdLst>
     <p:sldId id="269" r:id="rId2"/>
@@ -18,11 +18,10 @@
     <p:sldId id="274" r:id="rId6"/>
     <p:sldId id="273" r:id="rId7"/>
     <p:sldId id="278" r:id="rId8"/>
-    <p:sldId id="279" r:id="rId9"/>
-    <p:sldId id="275" r:id="rId10"/>
-    <p:sldId id="276" r:id="rId11"/>
-    <p:sldId id="277" r:id="rId12"/>
-    <p:sldId id="257" r:id="rId13"/>
+    <p:sldId id="275" r:id="rId9"/>
+    <p:sldId id="279" r:id="rId10"/>
+    <p:sldId id="257" r:id="rId11"/>
+    <p:sldId id="280" r:id="rId12"/>
   </p:sldIdLst>
   <p:sldSz cx="9144000" cy="5143500" type="screen16x9"/>
   <p:notesSz cx="20104100" cy="11309350"/>
@@ -137,11 +136,10 @@
             <p14:sldId id="274"/>
             <p14:sldId id="273"/>
             <p14:sldId id="278"/>
+            <p14:sldId id="275"/>
             <p14:sldId id="279"/>
-            <p14:sldId id="275"/>
-            <p14:sldId id="276"/>
-            <p14:sldId id="277"/>
             <p14:sldId id="257"/>
+            <p14:sldId id="280"/>
           </p14:sldIdLst>
         </p14:section>
       </p14:sectionLst>
@@ -758,7 +756,7 @@
           <a:p>
             <a:fld id="{FDD34DAD-DED8-43CD-B631-0014C0374493}" type="slidenum">
               <a:rPr lang="ru-RU" smtClean="0"/>
-              <a:t>12</a:t>
+              <a:t>10</a:t>
             </a:fld>
             <a:endParaRPr lang="ru-RU"/>
           </a:p>
@@ -3466,7 +3464,7 @@
           <p:cNvPr id="2" name="Заголовок 1">
             <a:extLst>
               <a:ext uri="{FF2B5EF4-FFF2-40B4-BE49-F238E27FC236}">
-                <a16:creationId xmlns:a16="http://schemas.microsoft.com/office/drawing/2014/main" id="{84ECD2DD-5274-4E89-AF85-E1B88BF77C79}"/>
+                <a16:creationId xmlns:a16="http://schemas.microsoft.com/office/drawing/2014/main" id="{EE4486AE-0E1B-004B-BEC5-49710F3DE053}"/>
               </a:ext>
             </a:extLst>
           </p:cNvPr>
@@ -3474,138 +3472,137 @@
             <a:spLocks noGrp="1"/>
           </p:cNvSpPr>
           <p:nvPr>
-            <p:ph type="title"/>
+            <p:ph type="ctrTitle"/>
           </p:nvPr>
         </p:nvSpPr>
-        <p:spPr/>
+        <p:spPr>
+          <a:xfrm>
+            <a:off x="5322863" y="1289996"/>
+            <a:ext cx="3096202" cy="307777"/>
+          </a:xfrm>
+        </p:spPr>
         <p:txBody>
           <a:bodyPr/>
           <a:lstStyle/>
           <a:p>
             <a:r>
               <a:rPr lang="ru-RU" dirty="0"/>
-              <a:t>Редактирование</a:t>
-            </a:r>
-          </a:p>
-        </p:txBody>
-      </p:sp>
-      <p:sp>
-        <p:nvSpPr>
-          <p:cNvPr id="5" name="TextBox 4">
-            <a:extLst>
-              <a:ext uri="{FF2B5EF4-FFF2-40B4-BE49-F238E27FC236}">
-                <a16:creationId xmlns:a16="http://schemas.microsoft.com/office/drawing/2014/main" id="{1EBB38C0-18F1-497E-8E7F-2CAE08CD47BC}"/>
-              </a:ext>
-            </a:extLst>
-          </p:cNvPr>
-          <p:cNvSpPr txBox="1"/>
-          <p:nvPr/>
-        </p:nvSpPr>
-        <p:spPr>
-          <a:xfrm>
-            <a:off x="1110669" y="1047750"/>
-            <a:ext cx="184731" cy="461665"/>
-          </a:xfrm>
-          <a:prstGeom prst="rect">
-            <a:avLst/>
-          </a:prstGeom>
-        </p:spPr>
-        <p:txBody>
-          <a:bodyPr wrap="none" rtlCol="0">
-            <a:spAutoFit/>
-          </a:bodyPr>
+              <a:t>Демонстрация</a:t>
+            </a:r>
+          </a:p>
+        </p:txBody>
+      </p:sp>
+      <p:sp>
+        <p:nvSpPr>
+          <p:cNvPr id="3" name="Подзаголовок 2">
+            <a:extLst>
+              <a:ext uri="{FF2B5EF4-FFF2-40B4-BE49-F238E27FC236}">
+                <a16:creationId xmlns:a16="http://schemas.microsoft.com/office/drawing/2014/main" id="{90FFE09B-8754-5F49-B984-ACB622374F69}"/>
+              </a:ext>
+            </a:extLst>
+          </p:cNvPr>
+          <p:cNvSpPr>
+            <a:spLocks noGrp="1"/>
+          </p:cNvSpPr>
+          <p:nvPr>
+            <p:ph type="subTitle" idx="4"/>
+          </p:nvPr>
+        </p:nvSpPr>
+        <p:spPr>
+          <a:xfrm>
+            <a:off x="5618679" y="3132548"/>
+            <a:ext cx="2800386" cy="184666"/>
+          </a:xfrm>
+        </p:spPr>
+        <p:txBody>
+          <a:bodyPr/>
           <a:lstStyle/>
           <a:p>
-            <a:pPr algn="r" defTabSz="914400"/>
-            <a:endParaRPr lang="ru-RU" sz="2400" b="1" kern="0" dirty="0">
-              <a:solidFill>
-                <a:schemeClr val="bg1"/>
-              </a:solidFill>
-            </a:endParaRPr>
-          </a:p>
-        </p:txBody>
-      </p:sp>
-      <p:sp>
-        <p:nvSpPr>
-          <p:cNvPr id="9" name="Прямоугольник 8">
-            <a:extLst>
-              <a:ext uri="{FF2B5EF4-FFF2-40B4-BE49-F238E27FC236}">
-                <a16:creationId xmlns:a16="http://schemas.microsoft.com/office/drawing/2014/main" id="{460CE433-3EA2-43E9-B53F-F091FB6DEBEA}"/>
-              </a:ext>
-            </a:extLst>
-          </p:cNvPr>
-          <p:cNvSpPr/>
-          <p:nvPr/>
-        </p:nvSpPr>
-        <p:spPr>
-          <a:xfrm>
-            <a:off x="1022406" y="4728266"/>
-            <a:ext cx="7310014" cy="369332"/>
-          </a:xfrm>
-          <a:prstGeom prst="rect">
-            <a:avLst/>
-          </a:prstGeom>
-        </p:spPr>
-        <p:txBody>
-          <a:bodyPr wrap="none">
-            <a:spAutoFit/>
-          </a:bodyPr>
+            <a:r>
+              <a:rPr lang="en-US" dirty="0"/>
+              <a:t>E-mail: Markiev.V@docsvision.com</a:t>
+            </a:r>
+            <a:endParaRPr lang="ru-RU" dirty="0"/>
+          </a:p>
+        </p:txBody>
+      </p:sp>
+      <p:sp>
+        <p:nvSpPr>
+          <p:cNvPr id="4" name="Текст 3">
+            <a:extLst>
+              <a:ext uri="{FF2B5EF4-FFF2-40B4-BE49-F238E27FC236}">
+                <a16:creationId xmlns:a16="http://schemas.microsoft.com/office/drawing/2014/main" id="{C5DFFB55-B0D1-5542-97C4-74D085B2C1F4}"/>
+              </a:ext>
+            </a:extLst>
+          </p:cNvPr>
+          <p:cNvSpPr>
+            <a:spLocks noGrp="1"/>
+          </p:cNvSpPr>
+          <p:nvPr>
+            <p:ph type="body" sz="quarter" idx="10"/>
+          </p:nvPr>
+        </p:nvSpPr>
+        <p:spPr>
+          <a:xfrm>
+            <a:off x="5257800" y="2575641"/>
+            <a:ext cx="3161265" cy="301960"/>
+          </a:xfrm>
+        </p:spPr>
+        <p:txBody>
+          <a:bodyPr/>
           <a:lstStyle/>
           <a:p>
             <a:r>
-              <a:rPr lang="en-US" sz="1800" dirty="0" err="1"/>
-              <a:t>WebC-Antora</a:t>
-            </a:r>
-            <a:r>
-              <a:rPr lang="en-US" sz="1800" dirty="0"/>
-              <a:t>/modules/layouts/pages/ctrl/</a:t>
-            </a:r>
-            <a:r>
-              <a:rPr lang="en-US" sz="1800" dirty="0" err="1"/>
-              <a:t>folderComponents</a:t>
-            </a:r>
-            <a:r>
-              <a:rPr lang="en-US" sz="1800" dirty="0"/>
-              <a:t>/</a:t>
-            </a:r>
-            <a:endParaRPr lang="ru-RU" sz="1800" dirty="0"/>
-          </a:p>
-        </p:txBody>
-      </p:sp>
-      <p:pic>
-        <p:nvPicPr>
-          <p:cNvPr id="10" name="Рисунок 9">
-            <a:extLst>
-              <a:ext uri="{FF2B5EF4-FFF2-40B4-BE49-F238E27FC236}">
-                <a16:creationId xmlns:a16="http://schemas.microsoft.com/office/drawing/2014/main" id="{04022A81-0972-4AC8-9ADF-50AA6B36B840}"/>
-              </a:ext>
-            </a:extLst>
-          </p:cNvPr>
-          <p:cNvPicPr>
-            <a:picLocks noChangeAspect="1"/>
-          </p:cNvPicPr>
-          <p:nvPr/>
-        </p:nvPicPr>
-        <p:blipFill>
-          <a:blip r:embed="rId2"/>
-          <a:stretch>
-            <a:fillRect/>
-          </a:stretch>
-        </p:blipFill>
-        <p:spPr>
-          <a:xfrm>
-            <a:off x="735570" y="1011657"/>
-            <a:ext cx="7089397" cy="3648054"/>
-          </a:xfrm>
-          <a:prstGeom prst="rect">
-            <a:avLst/>
-          </a:prstGeom>
-        </p:spPr>
-      </p:pic>
+              <a:rPr lang="ru-RU" dirty="0" err="1"/>
+              <a:t>Маркиев</a:t>
+            </a:r>
+            <a:r>
+              <a:rPr lang="ru-RU" dirty="0"/>
+              <a:t> </a:t>
+            </a:r>
+            <a:r>
+              <a:rPr lang="ru-RU" dirty="0" err="1"/>
+              <a:t>В.Я</a:t>
+            </a:r>
+            <a:r>
+              <a:rPr lang="ru-RU" dirty="0"/>
+              <a:t>.</a:t>
+            </a:r>
+          </a:p>
+        </p:txBody>
+      </p:sp>
+      <p:sp>
+        <p:nvSpPr>
+          <p:cNvPr id="5" name="Текст 4">
+            <a:extLst>
+              <a:ext uri="{FF2B5EF4-FFF2-40B4-BE49-F238E27FC236}">
+                <a16:creationId xmlns:a16="http://schemas.microsoft.com/office/drawing/2014/main" id="{A4033398-E637-3E4F-A674-B4830C2E9B10}"/>
+              </a:ext>
+            </a:extLst>
+          </p:cNvPr>
+          <p:cNvSpPr>
+            <a:spLocks noGrp="1"/>
+          </p:cNvSpPr>
+          <p:nvPr>
+            <p:ph type="body" sz="quarter" idx="11"/>
+          </p:nvPr>
+        </p:nvSpPr>
+        <p:spPr/>
+        <p:txBody>
+          <a:bodyPr/>
+          <a:lstStyle/>
+          <a:p>
+            <a:r>
+              <a:rPr lang="ru-RU" dirty="0"/>
+              <a:t>Новая документация – удобно и расширяемо</a:t>
+            </a:r>
+          </a:p>
+        </p:txBody>
+      </p:sp>
     </p:spTree>
     <p:extLst>
       <p:ext uri="{BB962C8B-B14F-4D97-AF65-F5344CB8AC3E}">
-        <p14:creationId xmlns:p14="http://schemas.microsoft.com/office/powerpoint/2010/main" val="3790895251"/>
+        <p14:creationId xmlns:p14="http://schemas.microsoft.com/office/powerpoint/2010/main" val="4034948634"/>
       </p:ext>
     </p:extLst>
   </p:cSld>
@@ -3637,95 +3634,7 @@
           <p:cNvPr id="2" name="Заголовок 1">
             <a:extLst>
               <a:ext uri="{FF2B5EF4-FFF2-40B4-BE49-F238E27FC236}">
-                <a16:creationId xmlns:a16="http://schemas.microsoft.com/office/drawing/2014/main" id="{21A75160-A222-49FF-8343-1B4582C4B687}"/>
-              </a:ext>
-            </a:extLst>
-          </p:cNvPr>
-          <p:cNvSpPr>
-            <a:spLocks noGrp="1"/>
-          </p:cNvSpPr>
-          <p:nvPr>
-            <p:ph type="title"/>
-          </p:nvPr>
-        </p:nvSpPr>
-        <p:spPr/>
-        <p:txBody>
-          <a:bodyPr/>
-          <a:lstStyle/>
-          <a:p>
-            <a:r>
-              <a:rPr lang="ru-RU" dirty="0"/>
-              <a:t>Ссылки на источники</a:t>
-            </a:r>
-          </a:p>
-        </p:txBody>
-      </p:sp>
-      <p:pic>
-        <p:nvPicPr>
-          <p:cNvPr id="4" name="Рисунок 3">
-            <a:extLst>
-              <a:ext uri="{FF2B5EF4-FFF2-40B4-BE49-F238E27FC236}">
-                <a16:creationId xmlns:a16="http://schemas.microsoft.com/office/drawing/2014/main" id="{1523D404-2045-4594-ABFE-A27779871086}"/>
-              </a:ext>
-            </a:extLst>
-          </p:cNvPr>
-          <p:cNvPicPr>
-            <a:picLocks noChangeAspect="1"/>
-          </p:cNvPicPr>
-          <p:nvPr/>
-        </p:nvPicPr>
-        <p:blipFill>
-          <a:blip r:embed="rId2"/>
-          <a:stretch>
-            <a:fillRect/>
-          </a:stretch>
-        </p:blipFill>
-        <p:spPr>
-          <a:xfrm>
-            <a:off x="1371600" y="971550"/>
-            <a:ext cx="6580952" cy="3952381"/>
-          </a:xfrm>
-          <a:prstGeom prst="rect">
-            <a:avLst/>
-          </a:prstGeom>
-        </p:spPr>
-      </p:pic>
-    </p:spTree>
-    <p:extLst>
-      <p:ext uri="{BB962C8B-B14F-4D97-AF65-F5344CB8AC3E}">
-        <p14:creationId xmlns:p14="http://schemas.microsoft.com/office/powerpoint/2010/main" val="348757356"/>
-      </p:ext>
-    </p:extLst>
-  </p:cSld>
-  <p:clrMapOvr>
-    <a:masterClrMapping/>
-  </p:clrMapOvr>
-</p:sld>
-</file>
-
-<file path=ppt/slides/slide12.xml><?xml version="1.0" encoding="utf-8"?>
-<p:sld xmlns:a="http://schemas.openxmlformats.org/drawingml/2006/main" xmlns:r="http://schemas.openxmlformats.org/officeDocument/2006/relationships" xmlns:p="http://schemas.openxmlformats.org/presentationml/2006/main">
-  <p:cSld>
-    <p:spTree>
-      <p:nvGrpSpPr>
-        <p:cNvPr id="1" name=""/>
-        <p:cNvGrpSpPr/>
-        <p:nvPr/>
-      </p:nvGrpSpPr>
-      <p:grpSpPr>
-        <a:xfrm>
-          <a:off x="0" y="0"/>
-          <a:ext cx="0" cy="0"/>
-          <a:chOff x="0" y="0"/>
-          <a:chExt cx="0" cy="0"/>
-        </a:xfrm>
-      </p:grpSpPr>
-      <p:sp>
-        <p:nvSpPr>
-          <p:cNvPr id="2" name="Заголовок 1">
-            <a:extLst>
-              <a:ext uri="{FF2B5EF4-FFF2-40B4-BE49-F238E27FC236}">
-                <a16:creationId xmlns:a16="http://schemas.microsoft.com/office/drawing/2014/main" id="{EE4486AE-0E1B-004B-BEC5-49710F3DE053}"/>
+                <a16:creationId xmlns:a16="http://schemas.microsoft.com/office/drawing/2014/main" id="{1C3A481F-78C3-4803-A8CE-34102565E87B}"/>
               </a:ext>
             </a:extLst>
           </p:cNvPr>
@@ -3736,12 +3645,20 @@
             <p:ph type="ctrTitle"/>
           </p:nvPr>
         </p:nvSpPr>
-        <p:spPr/>
+        <p:spPr>
+          <a:xfrm>
+            <a:off x="5322863" y="982220"/>
+            <a:ext cx="3096202" cy="615553"/>
+          </a:xfrm>
+        </p:spPr>
         <p:txBody>
           <a:bodyPr/>
           <a:lstStyle/>
           <a:p>
-            <a:endParaRPr lang="ru-RU" dirty="0"/>
+            <a:r>
+              <a:rPr lang="ru-RU" dirty="0"/>
+              <a:t>Спасибо за внимание</a:t>
+            </a:r>
           </a:p>
         </p:txBody>
       </p:sp>
@@ -3750,7 +3667,7 @@
           <p:cNvPr id="3" name="Подзаголовок 2">
             <a:extLst>
               <a:ext uri="{FF2B5EF4-FFF2-40B4-BE49-F238E27FC236}">
-                <a16:creationId xmlns:a16="http://schemas.microsoft.com/office/drawing/2014/main" id="{90FFE09B-8754-5F49-B984-ACB622374F69}"/>
+                <a16:creationId xmlns:a16="http://schemas.microsoft.com/office/drawing/2014/main" id="{5FD4DB1F-4DC7-4A28-9021-4F3BD780FAD1}"/>
               </a:ext>
             </a:extLst>
           </p:cNvPr>
@@ -3761,13 +3678,25 @@
             <p:ph type="subTitle" idx="4"/>
           </p:nvPr>
         </p:nvSpPr>
-        <p:spPr/>
+        <p:spPr>
+          <a:xfrm>
+            <a:off x="5618679" y="3132548"/>
+            <a:ext cx="2800386" cy="369332"/>
+          </a:xfrm>
+        </p:spPr>
         <p:txBody>
           <a:bodyPr/>
           <a:lstStyle/>
           <a:p>
+            <a:r>
+              <a:rPr lang="en-US" dirty="0"/>
+              <a:t>E-mail: Markiev.V@docsvision.com</a:t>
+            </a:r>
             <a:endParaRPr lang="ru-RU" dirty="0"/>
           </a:p>
+          <a:p>
+            <a:endParaRPr lang="ru-RU" dirty="0"/>
+          </a:p>
         </p:txBody>
       </p:sp>
       <p:sp>
@@ -3775,7 +3704,7 @@
           <p:cNvPr id="4" name="Текст 3">
             <a:extLst>
               <a:ext uri="{FF2B5EF4-FFF2-40B4-BE49-F238E27FC236}">
-                <a16:creationId xmlns:a16="http://schemas.microsoft.com/office/drawing/2014/main" id="{C5DFFB55-B0D1-5542-97C4-74D085B2C1F4}"/>
+                <a16:creationId xmlns:a16="http://schemas.microsoft.com/office/drawing/2014/main" id="{A55A80E2-460B-41A3-97BC-94A96690628F}"/>
               </a:ext>
             </a:extLst>
           </p:cNvPr>
@@ -3791,7 +3720,10 @@
           <a:bodyPr/>
           <a:lstStyle/>
           <a:p>
-            <a:endParaRPr lang="ru-RU"/>
+            <a:r>
+              <a:rPr lang="ru-RU" dirty="0"/>
+              <a:t>Технический писатель</a:t>
+            </a:r>
           </a:p>
         </p:txBody>
       </p:sp>
@@ -3800,7 +3732,7 @@
           <p:cNvPr id="5" name="Текст 4">
             <a:extLst>
               <a:ext uri="{FF2B5EF4-FFF2-40B4-BE49-F238E27FC236}">
-                <a16:creationId xmlns:a16="http://schemas.microsoft.com/office/drawing/2014/main" id="{A4033398-E637-3E4F-A674-B4830C2E9B10}"/>
+                <a16:creationId xmlns:a16="http://schemas.microsoft.com/office/drawing/2014/main" id="{C3E887C0-16C6-4ED9-ADD8-1FEF50E86DF5}"/>
               </a:ext>
             </a:extLst>
           </p:cNvPr>
@@ -3816,14 +3748,29 @@
           <a:bodyPr/>
           <a:lstStyle/>
           <a:p>
-            <a:endParaRPr lang="ru-RU"/>
+            <a:r>
+              <a:rPr lang="ru-RU" dirty="0" err="1"/>
+              <a:t>Маркиев</a:t>
+            </a:r>
+            <a:r>
+              <a:rPr lang="ru-RU" dirty="0"/>
+              <a:t> </a:t>
+            </a:r>
+            <a:r>
+              <a:rPr lang="ru-RU" dirty="0" err="1"/>
+              <a:t>В.Я</a:t>
+            </a:r>
+            <a:r>
+              <a:rPr lang="ru-RU" dirty="0"/>
+              <a:t>.</a:t>
+            </a:r>
           </a:p>
         </p:txBody>
       </p:sp>
     </p:spTree>
     <p:extLst>
       <p:ext uri="{BB962C8B-B14F-4D97-AF65-F5344CB8AC3E}">
-        <p14:creationId xmlns:p14="http://schemas.microsoft.com/office/powerpoint/2010/main" val="4034948634"/>
+        <p14:creationId xmlns:p14="http://schemas.microsoft.com/office/powerpoint/2010/main" val="2875317719"/>
       </p:ext>
     </p:extLst>
   </p:cSld>
@@ -5992,38 +5939,17 @@
         </p:nvSpPr>
         <p:spPr>
           <a:xfrm>
-            <a:off x="1397000" y="3105150"/>
-            <a:ext cx="6680200" cy="1905000"/>
+            <a:off x="1115093" y="3384821"/>
+            <a:ext cx="2748220" cy="1425926"/>
           </a:xfrm>
         </p:spPr>
         <p:txBody>
           <a:bodyPr/>
           <a:lstStyle/>
           <a:p>
-            <a:pPr marL="0" indent="0" algn="l">
-              <a:buNone/>
-            </a:pPr>
             <a:r>
               <a:rPr lang="ru-RU" dirty="0"/>
-              <a:t>Файл конфигурации сайта — </a:t>
-            </a:r>
-            <a:r>
-              <a:rPr lang="en-US" b="1" dirty="0" err="1"/>
-              <a:t>antora-playbook.yml</a:t>
-            </a:r>
-            <a:r>
-              <a:rPr lang="ru-RU" b="1" dirty="0"/>
-              <a:t> </a:t>
-            </a:r>
-            <a:r>
-              <a:rPr lang="ru-RU" dirty="0"/>
-              <a:t>содержит:</a:t>
-            </a:r>
-          </a:p>
-          <a:p>
-            <a:r>
-              <a:rPr lang="ru-RU" dirty="0"/>
-              <a:t>Ссылки на репозитории</a:t>
+              <a:t>Ссылки на источники</a:t>
             </a:r>
           </a:p>
           <a:p>
@@ -6229,6 +6155,91 @@
           </a:prstGeom>
         </p:spPr>
       </p:pic>
+      <p:pic>
+        <p:nvPicPr>
+          <p:cNvPr id="4" name="Рисунок 3">
+            <a:extLst>
+              <a:ext uri="{FF2B5EF4-FFF2-40B4-BE49-F238E27FC236}">
+                <a16:creationId xmlns:a16="http://schemas.microsoft.com/office/drawing/2014/main" id="{EEE6D431-FE99-4D17-9223-C8DDFBBF6056}"/>
+              </a:ext>
+            </a:extLst>
+          </p:cNvPr>
+          <p:cNvPicPr>
+            <a:picLocks noChangeAspect="1"/>
+          </p:cNvPicPr>
+          <p:nvPr/>
+        </p:nvPicPr>
+        <p:blipFill>
+          <a:blip r:embed="rId4"/>
+          <a:stretch>
+            <a:fillRect/>
+          </a:stretch>
+        </p:blipFill>
+        <p:spPr>
+          <a:xfrm>
+            <a:off x="4209381" y="3300774"/>
+            <a:ext cx="3512217" cy="1787580"/>
+          </a:xfrm>
+          <a:prstGeom prst="rect">
+            <a:avLst/>
+          </a:prstGeom>
+        </p:spPr>
+      </p:pic>
+      <p:sp>
+        <p:nvSpPr>
+          <p:cNvPr id="6" name="TextBox 5">
+            <a:extLst>
+              <a:ext uri="{FF2B5EF4-FFF2-40B4-BE49-F238E27FC236}">
+                <a16:creationId xmlns:a16="http://schemas.microsoft.com/office/drawing/2014/main" id="{C8C24EAD-2BD9-40D2-B5F8-968CFE1247A6}"/>
+              </a:ext>
+            </a:extLst>
+          </p:cNvPr>
+          <p:cNvSpPr txBox="1"/>
+          <p:nvPr/>
+        </p:nvSpPr>
+        <p:spPr>
+          <a:xfrm>
+            <a:off x="38100" y="2927621"/>
+            <a:ext cx="6508577" cy="692497"/>
+          </a:xfrm>
+          <a:prstGeom prst="rect">
+            <a:avLst/>
+          </a:prstGeom>
+        </p:spPr>
+        <p:txBody>
+          <a:bodyPr wrap="none" rtlCol="0">
+            <a:spAutoFit/>
+          </a:bodyPr>
+          <a:lstStyle/>
+          <a:p>
+            <a:pPr algn="r" defTabSz="914400"/>
+            <a:r>
+              <a:rPr lang="ru-RU" sz="1500" dirty="0"/>
+              <a:t>Файл конфигурации сайта — </a:t>
+            </a:r>
+            <a:r>
+              <a:rPr lang="en-US" sz="1500" b="1" dirty="0" err="1"/>
+              <a:t>antora-playbook.yml</a:t>
+            </a:r>
+            <a:r>
+              <a:rPr lang="ru-RU" sz="1500" b="1" dirty="0"/>
+              <a:t> </a:t>
+            </a:r>
+            <a:r>
+              <a:rPr lang="ru-RU" sz="1500" dirty="0"/>
+              <a:t>содержит:</a:t>
+            </a:r>
+          </a:p>
+          <a:p>
+            <a:pPr algn="r" defTabSz="914400"/>
+            <a:endParaRPr lang="ru-RU" sz="2400" b="1" kern="0" dirty="0">
+              <a:solidFill>
+                <a:schemeClr val="bg1"/>
+              </a:solidFill>
+            </a:endParaRPr>
+          </a:p>
+        </p:txBody>
+      </p:sp>
     </p:spTree>
     <p:extLst>
       <p:ext uri="{BB962C8B-B14F-4D97-AF65-F5344CB8AC3E}">
@@ -6264,7 +6275,7 @@
           <p:cNvPr id="2" name="Заголовок 1">
             <a:extLst>
               <a:ext uri="{FF2B5EF4-FFF2-40B4-BE49-F238E27FC236}">
-                <a16:creationId xmlns:a16="http://schemas.microsoft.com/office/drawing/2014/main" id="{0C483DE2-E417-47B4-A9C2-06D0B1042A51}"/>
+                <a16:creationId xmlns:a16="http://schemas.microsoft.com/office/drawing/2014/main" id="{81C7BEAB-2CBB-4CE5-BA92-E31162A5E959}"/>
               </a:ext>
             </a:extLst>
           </p:cNvPr>
@@ -6282,133 +6293,17 @@
           <a:p>
             <a:r>
               <a:rPr lang="ru-RU" dirty="0"/>
-              <a:t>Структура компонента</a:t>
-            </a:r>
-          </a:p>
-        </p:txBody>
-      </p:sp>
-      <p:sp>
-        <p:nvSpPr>
-          <p:cNvPr id="3" name="Текст 2">
-            <a:extLst>
-              <a:ext uri="{FF2B5EF4-FFF2-40B4-BE49-F238E27FC236}">
-                <a16:creationId xmlns:a16="http://schemas.microsoft.com/office/drawing/2014/main" id="{D386AE53-E800-419A-B0D9-7614A32C5FF8}"/>
-              </a:ext>
-            </a:extLst>
-          </p:cNvPr>
-          <p:cNvSpPr>
-            <a:spLocks noGrp="1"/>
-          </p:cNvSpPr>
-          <p:nvPr>
-            <p:ph type="body" sz="quarter" idx="10"/>
-          </p:nvPr>
-        </p:nvSpPr>
-        <p:spPr>
-          <a:xfrm>
-            <a:off x="729268" y="1276350"/>
-            <a:ext cx="4604732" cy="3429000"/>
-          </a:xfrm>
-        </p:spPr>
-        <p:txBody>
-          <a:bodyPr/>
-          <a:lstStyle/>
-          <a:p>
-            <a:pPr marL="0" indent="0">
-              <a:buNone/>
-            </a:pPr>
-            <a:r>
-              <a:rPr lang="ru-RU" dirty="0"/>
-              <a:t>Как правило, у каждого компонента есть:</a:t>
-            </a:r>
-          </a:p>
-          <a:p>
-            <a:pPr algn="l"/>
-            <a:r>
-              <a:rPr lang="ru-RU" dirty="0"/>
-              <a:t>Папка «</a:t>
-            </a:r>
-            <a:r>
-              <a:rPr lang="en-US" dirty="0"/>
-              <a:t>admin</a:t>
-            </a:r>
-            <a:r>
-              <a:rPr lang="ru-RU" dirty="0"/>
-              <a:t>» — руководство администратора</a:t>
-            </a:r>
-          </a:p>
-          <a:p>
-            <a:pPr algn="l"/>
-            <a:r>
-              <a:rPr lang="ru-RU" dirty="0"/>
-              <a:t>Папки «</a:t>
-            </a:r>
-            <a:r>
-              <a:rPr lang="en-US" dirty="0"/>
-              <a:t>ROOT</a:t>
-            </a:r>
-            <a:r>
-              <a:rPr lang="ru-RU" dirty="0"/>
-              <a:t>» и «</a:t>
-            </a:r>
-            <a:r>
-              <a:rPr lang="en-US" dirty="0"/>
-              <a:t>common</a:t>
-            </a:r>
-            <a:r>
-              <a:rPr lang="ru-RU" dirty="0"/>
-              <a:t>»</a:t>
-            </a:r>
-            <a:r>
-              <a:rPr lang="en-US" dirty="0"/>
-              <a:t> </a:t>
-            </a:r>
-            <a:r>
-              <a:rPr lang="ru-RU" dirty="0"/>
-              <a:t>— общая документация</a:t>
-            </a:r>
-          </a:p>
-          <a:p>
-            <a:pPr algn="l"/>
-            <a:r>
-              <a:rPr lang="ru-RU" dirty="0"/>
-              <a:t>Папка «</a:t>
-            </a:r>
-            <a:r>
-              <a:rPr lang="en-US" dirty="0"/>
-              <a:t>user</a:t>
-            </a:r>
-            <a:r>
-              <a:rPr lang="ru-RU" dirty="0"/>
-              <a:t>» — руководство пользователя</a:t>
-            </a:r>
-          </a:p>
-          <a:p>
-            <a:pPr algn="l"/>
-            <a:r>
-              <a:rPr lang="ru-RU" dirty="0"/>
-              <a:t>Файл </a:t>
-            </a:r>
-            <a:r>
-              <a:rPr lang="en-US" dirty="0" err="1"/>
-              <a:t>antora.yml</a:t>
-            </a:r>
-            <a:r>
-              <a:rPr lang="en-US" dirty="0"/>
-              <a:t> </a:t>
-            </a:r>
-            <a:r>
-              <a:rPr lang="ru-RU" dirty="0"/>
-              <a:t>— описатель компонента (версия, название).</a:t>
+              <a:t>Репозитории документации</a:t>
             </a:r>
           </a:p>
         </p:txBody>
       </p:sp>
       <p:pic>
         <p:nvPicPr>
-          <p:cNvPr id="5" name="Рисунок 4">
-            <a:extLst>
-              <a:ext uri="{FF2B5EF4-FFF2-40B4-BE49-F238E27FC236}">
-                <a16:creationId xmlns:a16="http://schemas.microsoft.com/office/drawing/2014/main" id="{BFA9EB40-70F5-429C-9338-42BFDED71C1D}"/>
+          <p:cNvPr id="6" name="Рисунок 5">
+            <a:extLst>
+              <a:ext uri="{FF2B5EF4-FFF2-40B4-BE49-F238E27FC236}">
+                <a16:creationId xmlns:a16="http://schemas.microsoft.com/office/drawing/2014/main" id="{B438BB4F-D435-4FEA-AEC2-B4EF4E149A7E}"/>
               </a:ext>
             </a:extLst>
           </p:cNvPr>
@@ -6425,18 +6320,56 @@
         </p:blipFill>
         <p:spPr>
           <a:xfrm>
-            <a:off x="5582430" y="0"/>
-            <a:ext cx="2749990" cy="5143500"/>
+            <a:off x="1066800" y="975370"/>
+            <a:ext cx="5106620" cy="4030959"/>
           </a:xfrm>
           <a:prstGeom prst="rect">
             <a:avLst/>
           </a:prstGeom>
         </p:spPr>
       </p:pic>
+      <p:sp>
+        <p:nvSpPr>
+          <p:cNvPr id="7" name="Текст 2">
+            <a:extLst>
+              <a:ext uri="{FF2B5EF4-FFF2-40B4-BE49-F238E27FC236}">
+                <a16:creationId xmlns:a16="http://schemas.microsoft.com/office/drawing/2014/main" id="{7AD7D5F1-C1D4-439A-900B-5F2BD881DF67}"/>
+              </a:ext>
+            </a:extLst>
+          </p:cNvPr>
+          <p:cNvSpPr>
+            <a:spLocks noGrp="1"/>
+          </p:cNvSpPr>
+          <p:nvPr>
+            <p:ph type="body" sz="quarter" idx="10"/>
+          </p:nvPr>
+        </p:nvSpPr>
+        <p:spPr>
+          <a:xfrm>
+            <a:off x="6248400" y="2533649"/>
+            <a:ext cx="2819400" cy="457200"/>
+          </a:xfrm>
+        </p:spPr>
+        <p:txBody>
+          <a:bodyPr/>
+          <a:lstStyle/>
+          <a:p>
+            <a:r>
+              <a:rPr lang="ru-RU" dirty="0"/>
+              <a:t>Имя-компонента-</a:t>
+            </a:r>
+            <a:r>
+              <a:rPr lang="en-US" dirty="0" err="1"/>
+              <a:t>Antora</a:t>
+            </a:r>
+            <a:endParaRPr lang="ru-RU" dirty="0"/>
+          </a:p>
+        </p:txBody>
+      </p:sp>
     </p:spTree>
     <p:extLst>
       <p:ext uri="{BB962C8B-B14F-4D97-AF65-F5344CB8AC3E}">
-        <p14:creationId xmlns:p14="http://schemas.microsoft.com/office/powerpoint/2010/main" val="2942490993"/>
+        <p14:creationId xmlns:p14="http://schemas.microsoft.com/office/powerpoint/2010/main" val="1579845693"/>
       </p:ext>
     </p:extLst>
   </p:cSld>
@@ -6468,7 +6401,7 @@
           <p:cNvPr id="2" name="Заголовок 1">
             <a:extLst>
               <a:ext uri="{FF2B5EF4-FFF2-40B4-BE49-F238E27FC236}">
-                <a16:creationId xmlns:a16="http://schemas.microsoft.com/office/drawing/2014/main" id="{81C7BEAB-2CBB-4CE5-BA92-E31162A5E959}"/>
+                <a16:creationId xmlns:a16="http://schemas.microsoft.com/office/drawing/2014/main" id="{0C483DE2-E417-47B4-A9C2-06D0B1042A51}"/>
               </a:ext>
             </a:extLst>
           </p:cNvPr>
@@ -6486,17 +6419,148 @@
           <a:p>
             <a:r>
               <a:rPr lang="ru-RU" dirty="0"/>
-              <a:t>Репозитории документации</a:t>
+              <a:t>Структура компонента</a:t>
+            </a:r>
+          </a:p>
+        </p:txBody>
+      </p:sp>
+      <p:sp>
+        <p:nvSpPr>
+          <p:cNvPr id="3" name="Текст 2">
+            <a:extLst>
+              <a:ext uri="{FF2B5EF4-FFF2-40B4-BE49-F238E27FC236}">
+                <a16:creationId xmlns:a16="http://schemas.microsoft.com/office/drawing/2014/main" id="{D386AE53-E800-419A-B0D9-7614A32C5FF8}"/>
+              </a:ext>
+            </a:extLst>
+          </p:cNvPr>
+          <p:cNvSpPr>
+            <a:spLocks noGrp="1"/>
+          </p:cNvSpPr>
+          <p:nvPr>
+            <p:ph type="body" sz="quarter" idx="10"/>
+          </p:nvPr>
+        </p:nvSpPr>
+        <p:spPr>
+          <a:xfrm>
+            <a:off x="729220" y="1045968"/>
+            <a:ext cx="4604732" cy="3810000"/>
+          </a:xfrm>
+        </p:spPr>
+        <p:txBody>
+          <a:bodyPr/>
+          <a:lstStyle/>
+          <a:p>
+            <a:pPr marL="0" indent="0">
+              <a:buNone/>
+            </a:pPr>
+            <a:r>
+              <a:rPr lang="ru-RU" dirty="0"/>
+              <a:t>Как правило, у каждого компонента есть:</a:t>
+            </a:r>
+          </a:p>
+          <a:p>
+            <a:pPr algn="l"/>
+            <a:r>
+              <a:rPr lang="ru-RU" dirty="0"/>
+              <a:t>Папка «</a:t>
+            </a:r>
+            <a:r>
+              <a:rPr lang="en-US" dirty="0"/>
+              <a:t>admin</a:t>
+            </a:r>
+            <a:r>
+              <a:rPr lang="ru-RU" dirty="0"/>
+              <a:t>» — руководство администратора</a:t>
+            </a:r>
+          </a:p>
+          <a:p>
+            <a:pPr algn="l"/>
+            <a:r>
+              <a:rPr lang="ru-RU" dirty="0"/>
+              <a:t>Папки «</a:t>
+            </a:r>
+            <a:r>
+              <a:rPr lang="en-US" dirty="0"/>
+              <a:t>ROOT</a:t>
+            </a:r>
+            <a:r>
+              <a:rPr lang="ru-RU" dirty="0"/>
+              <a:t>» и «</a:t>
+            </a:r>
+            <a:r>
+              <a:rPr lang="en-US" dirty="0"/>
+              <a:t>common</a:t>
+            </a:r>
+            <a:r>
+              <a:rPr lang="ru-RU" dirty="0"/>
+              <a:t>»</a:t>
+            </a:r>
+            <a:r>
+              <a:rPr lang="en-US" dirty="0"/>
+              <a:t> </a:t>
+            </a:r>
+            <a:r>
+              <a:rPr lang="ru-RU" dirty="0"/>
+              <a:t>— общая документация</a:t>
+            </a:r>
+          </a:p>
+          <a:p>
+            <a:pPr algn="l"/>
+            <a:r>
+              <a:rPr lang="ru-RU" dirty="0"/>
+              <a:t>Папка «</a:t>
+            </a:r>
+            <a:r>
+              <a:rPr lang="en-US" dirty="0"/>
+              <a:t>user</a:t>
+            </a:r>
+            <a:r>
+              <a:rPr lang="ru-RU" dirty="0"/>
+              <a:t>» — руководство пользователя</a:t>
+            </a:r>
+          </a:p>
+          <a:p>
+            <a:pPr algn="l"/>
+            <a:r>
+              <a:rPr lang="ru-RU" dirty="0"/>
+              <a:t>Папка «</a:t>
+            </a:r>
+            <a:r>
+              <a:rPr lang="en-US" dirty="0"/>
+              <a:t>programmer</a:t>
+            </a:r>
+            <a:r>
+              <a:rPr lang="ru-RU" dirty="0"/>
+              <a:t>» — руководство разработчика</a:t>
+            </a:r>
+          </a:p>
+          <a:p>
+            <a:pPr algn="l"/>
+            <a:r>
+              <a:rPr lang="ru-RU" dirty="0"/>
+              <a:t>Файл </a:t>
+            </a:r>
+            <a:r>
+              <a:rPr lang="en-US" dirty="0" err="1"/>
+              <a:t>antora.yml</a:t>
+            </a:r>
+            <a:r>
+              <a:rPr lang="en-US" dirty="0"/>
+              <a:t> </a:t>
+            </a:r>
+            <a:r>
+              <a:rPr lang="ru-RU" dirty="0"/>
+              <a:t>— системное описание компонента (версия, название).</a:t>
             </a:r>
           </a:p>
         </p:txBody>
       </p:sp>
       <p:pic>
         <p:nvPicPr>
-          <p:cNvPr id="6" name="Рисунок 5">
-            <a:extLst>
-              <a:ext uri="{FF2B5EF4-FFF2-40B4-BE49-F238E27FC236}">
-                <a16:creationId xmlns:a16="http://schemas.microsoft.com/office/drawing/2014/main" id="{B438BB4F-D435-4FEA-AEC2-B4EF4E149A7E}"/>
+          <p:cNvPr id="5" name="Рисунок 4">
+            <a:extLst>
+              <a:ext uri="{FF2B5EF4-FFF2-40B4-BE49-F238E27FC236}">
+                <a16:creationId xmlns:a16="http://schemas.microsoft.com/office/drawing/2014/main" id="{BFA9EB40-70F5-429C-9338-42BFDED71C1D}"/>
               </a:ext>
             </a:extLst>
           </p:cNvPr>
@@ -6513,56 +6577,18 @@
         </p:blipFill>
         <p:spPr>
           <a:xfrm>
-            <a:off x="1066800" y="975370"/>
-            <a:ext cx="5106620" cy="4030959"/>
+            <a:off x="5582430" y="0"/>
+            <a:ext cx="2749990" cy="5143500"/>
           </a:xfrm>
           <a:prstGeom prst="rect">
             <a:avLst/>
           </a:prstGeom>
         </p:spPr>
       </p:pic>
-      <p:sp>
-        <p:nvSpPr>
-          <p:cNvPr id="7" name="Текст 2">
-            <a:extLst>
-              <a:ext uri="{FF2B5EF4-FFF2-40B4-BE49-F238E27FC236}">
-                <a16:creationId xmlns:a16="http://schemas.microsoft.com/office/drawing/2014/main" id="{7AD7D5F1-C1D4-439A-900B-5F2BD881DF67}"/>
-              </a:ext>
-            </a:extLst>
-          </p:cNvPr>
-          <p:cNvSpPr>
-            <a:spLocks noGrp="1"/>
-          </p:cNvSpPr>
-          <p:nvPr>
-            <p:ph type="body" sz="quarter" idx="10"/>
-          </p:nvPr>
-        </p:nvSpPr>
-        <p:spPr>
-          <a:xfrm>
-            <a:off x="6248400" y="2533649"/>
-            <a:ext cx="2819400" cy="457200"/>
-          </a:xfrm>
-        </p:spPr>
-        <p:txBody>
-          <a:bodyPr/>
-          <a:lstStyle/>
-          <a:p>
-            <a:r>
-              <a:rPr lang="ru-RU" dirty="0"/>
-              <a:t>Имя-компонента-</a:t>
-            </a:r>
-            <a:r>
-              <a:rPr lang="en-US" dirty="0" err="1"/>
-              <a:t>Antora</a:t>
-            </a:r>
-            <a:endParaRPr lang="ru-RU" dirty="0"/>
-          </a:p>
-        </p:txBody>
-      </p:sp>
     </p:spTree>
     <p:extLst>
       <p:ext uri="{BB962C8B-B14F-4D97-AF65-F5344CB8AC3E}">
-        <p14:creationId xmlns:p14="http://schemas.microsoft.com/office/powerpoint/2010/main" val="1579845693"/>
+        <p14:creationId xmlns:p14="http://schemas.microsoft.com/office/powerpoint/2010/main" val="2942490993"/>
       </p:ext>
     </p:extLst>
   </p:cSld>

--- a/Презентация.pptx
+++ b/Презентация.pptx
@@ -259,7 +259,7 @@
           <a:p>
             <a:fld id="{B60569C6-7FE9-427B-ADC7-21642DF64814}" type="datetimeFigureOut">
               <a:rPr lang="ru-RU" smtClean="0"/>
-              <a:t>19.01.2023</a:t>
+              <a:t>20.01.2023</a:t>
             </a:fld>
             <a:endParaRPr lang="ru-RU"/>
           </a:p>
@@ -424,7 +424,7 @@
           <a:p>
             <a:fld id="{9BB318F8-E971-41B2-8EEE-4AE0434BCB65}" type="datetimeFigureOut">
               <a:rPr lang="ru-RU" smtClean="0"/>
-              <a:t>19.01.2023</a:t>
+              <a:t>20.01.2023</a:t>
             </a:fld>
             <a:endParaRPr lang="ru-RU"/>
           </a:p>
@@ -3978,8 +3978,12 @@
           <a:lstStyle/>
           <a:p>
             <a:r>
+              <a:rPr lang="en-US" dirty="0" err="1"/>
+              <a:t>AsciiDoc</a:t>
+            </a:r>
+            <a:r>
               <a:rPr lang="ru-RU" dirty="0"/>
-              <a:t>Преимущества подхода</a:t>
+              <a:t> — несложный и функциональный</a:t>
             </a:r>
           </a:p>
         </p:txBody>
